--- a/Tesztverseny.pptx
+++ b/Tesztverseny.pptx
@@ -112,6 +112,11 @@
       </a:defRPr>
     </a:lvl9pPr>
   </p:defaultTextStyle>
+  <p:extLst>
+    <p:ext uri="{EFAFB233-063F-42B5-8137-9DF3F51BA10A}">
+      <p15:sldGuideLst xmlns:p15="http://schemas.microsoft.com/office/powerpoint/2012/main"/>
+    </p:ext>
+  </p:extLst>
 </p:presentation>
 </file>
 
@@ -332,7 +337,7 @@
           <a:p>
             <a:fld id="{9AB3A824-1A51-4B26-AD58-A6D8E14F6C04}" type="datetimeFigureOut">
               <a:rPr lang="en-US" dirty="0"/>
-              <a:t>3/7/2023</a:t>
+              <a:t>3/8/2023</a:t>
             </a:fld>
             <a:endParaRPr lang="en-US" dirty="0"/>
           </a:p>
@@ -666,7 +671,7 @@
           <a:p>
             <a:fld id="{D857E33E-8B18-4087-B112-809917729534}" type="datetimeFigureOut">
               <a:rPr lang="en-US" dirty="0"/>
-              <a:t>3/7/2023</a:t>
+              <a:t>3/8/2023</a:t>
             </a:fld>
             <a:endParaRPr lang="en-US" dirty="0"/>
           </a:p>
@@ -968,7 +973,7 @@
           <a:p>
             <a:fld id="{D3FFE419-2371-464F-8239-3959401C3561}" type="datetimeFigureOut">
               <a:rPr lang="en-US" dirty="0"/>
-              <a:t>3/7/2023</a:t>
+              <a:t>3/8/2023</a:t>
             </a:fld>
             <a:endParaRPr lang="en-US" dirty="0"/>
           </a:p>
@@ -1215,7 +1220,7 @@
           <a:p>
             <a:fld id="{97D162C4-EDD9-4389-A98B-B87ECEA2A816}" type="datetimeFigureOut">
               <a:rPr lang="en-US" dirty="0"/>
-              <a:t>3/7/2023</a:t>
+              <a:t>3/8/2023</a:t>
             </a:fld>
             <a:endParaRPr lang="en-US" dirty="0"/>
           </a:p>
@@ -1622,7 +1627,7 @@
           <a:p>
             <a:fld id="{3E5059C3-6A89-4494-99FF-5A4D6FFD50EB}" type="datetimeFigureOut">
               <a:rPr lang="en-US" dirty="0"/>
-              <a:t>3/7/2023</a:t>
+              <a:t>3/8/2023</a:t>
             </a:fld>
             <a:endParaRPr lang="en-US" dirty="0"/>
           </a:p>
@@ -1936,7 +1941,7 @@
           <a:p>
             <a:fld id="{CA954B2F-12DE-47F5-8894-472B206D2E1E}" type="datetimeFigureOut">
               <a:rPr lang="en-US" dirty="0"/>
-              <a:t>3/7/2023</a:t>
+              <a:t>3/8/2023</a:t>
             </a:fld>
             <a:endParaRPr lang="en-US" dirty="0"/>
           </a:p>
@@ -2480,7 +2485,7 @@
           <a:p>
             <a:fld id="{3F30E46F-7819-4ACF-B48B-48222C2ACC88}" type="datetimeFigureOut">
               <a:rPr lang="en-US" dirty="0"/>
-              <a:t>3/7/2023</a:t>
+              <a:t>3/8/2023</a:t>
             </a:fld>
             <a:endParaRPr lang="en-US" dirty="0"/>
           </a:p>
@@ -2675,7 +2680,7 @@
           <a:p>
             <a:fld id="{1FAF3416-4057-4DAA-829D-4CA07428D088}" type="datetimeFigureOut">
               <a:rPr lang="en-US" dirty="0"/>
-              <a:t>3/7/2023</a:t>
+              <a:t>3/8/2023</a:t>
             </a:fld>
             <a:endParaRPr lang="en-US" dirty="0"/>
           </a:p>
@@ -2888,7 +2893,7 @@
           <a:p>
             <a:fld id="{921D9284-D300-4297-87F7-E791DCC15DB1}" type="datetimeFigureOut">
               <a:rPr lang="en-US" dirty="0"/>
-              <a:t>3/7/2023</a:t>
+              <a:t>3/8/2023</a:t>
             </a:fld>
             <a:endParaRPr lang="en-US" dirty="0"/>
           </a:p>
@@ -3257,7 +3262,7 @@
           <a:p>
             <a:fld id="{37D525BB-DA17-4BA0-B3C8-3AC3ABC827E6}" type="datetimeFigureOut">
               <a:rPr lang="en-US" dirty="0"/>
-              <a:t>3/7/2023</a:t>
+              <a:t>3/8/2023</a:t>
             </a:fld>
             <a:endParaRPr lang="en-US" dirty="0"/>
           </a:p>
@@ -3660,7 +3665,7 @@
           <a:p>
             <a:fld id="{B16C4C9A-3960-41CF-A4E9-2A8FB932454B}" type="datetimeFigureOut">
               <a:rPr lang="en-US" dirty="0"/>
-              <a:t>3/7/2023</a:t>
+              <a:t>3/8/2023</a:t>
             </a:fld>
             <a:endParaRPr lang="en-US" dirty="0"/>
           </a:p>
@@ -3971,7 +3976,7 @@
           <a:p>
             <a:fld id="{3CBC1C18-307B-4F68-A007-B5B542270E8D}" type="datetimeFigureOut">
               <a:rPr lang="en-US" dirty="0"/>
-              <a:t>3/7/2023</a:t>
+              <a:t>3/8/2023</a:t>
             </a:fld>
             <a:endParaRPr lang="en-US" dirty="0"/>
           </a:p>
@@ -4543,7 +4548,7 @@
           <a:p>
             <a:r>
               <a:rPr lang="hu-HU" dirty="0"/>
-              <a:t>F csapat</a:t>
+              <a:t>C csapat</a:t>
             </a:r>
           </a:p>
           <a:p>
@@ -4572,6 +4577,18 @@
   <p:clrMapOvr>
     <a:masterClrMapping/>
   </p:clrMapOvr>
+  <mc:AlternateContent xmlns:mc="http://schemas.openxmlformats.org/markup-compatibility/2006">
+    <mc:Choice xmlns:p15="http://schemas.microsoft.com/office/powerpoint/2012/main" Requires="p15">
+      <p:transition xmlns:p14="http://schemas.microsoft.com/office/powerpoint/2010/main" spd="slow" p14:dur="2000">
+        <p15:prstTrans prst="fallOver"/>
+      </p:transition>
+    </mc:Choice>
+    <mc:Fallback>
+      <p:transition spd="slow">
+        <p:fade/>
+      </p:transition>
+    </mc:Fallback>
+  </mc:AlternateContent>
 </p:sld>
 </file>
 
@@ -4718,6 +4735,18 @@
   <p:clrMapOvr>
     <a:masterClrMapping/>
   </p:clrMapOvr>
+  <mc:AlternateContent xmlns:mc="http://schemas.openxmlformats.org/markup-compatibility/2006">
+    <mc:Choice xmlns:p15="http://schemas.microsoft.com/office/powerpoint/2012/main" Requires="p15">
+      <p:transition xmlns:p14="http://schemas.microsoft.com/office/powerpoint/2010/main" spd="slow" p14:dur="2000">
+        <p15:prstTrans prst="drape"/>
+      </p:transition>
+    </mc:Choice>
+    <mc:Fallback>
+      <p:transition spd="slow">
+        <p:fade/>
+      </p:transition>
+    </mc:Fallback>
+  </mc:AlternateContent>
 </p:sld>
 </file>
 
@@ -4871,6 +4900,18 @@
   <p:clrMapOvr>
     <a:masterClrMapping/>
   </p:clrMapOvr>
+  <mc:AlternateContent xmlns:mc="http://schemas.openxmlformats.org/markup-compatibility/2006">
+    <mc:Choice xmlns:p15="http://schemas.microsoft.com/office/powerpoint/2012/main" Requires="p15">
+      <p:transition xmlns:p14="http://schemas.microsoft.com/office/powerpoint/2010/main" spd="slow" p14:dur="2000">
+        <p15:prstTrans prst="drape"/>
+      </p:transition>
+    </mc:Choice>
+    <mc:Fallback>
+      <p:transition spd="slow">
+        <p:fade/>
+      </p:transition>
+    </mc:Fallback>
+  </mc:AlternateContent>
 </p:sld>
 </file>
 
@@ -5072,6 +5113,18 @@
   <p:clrMapOvr>
     <a:masterClrMapping/>
   </p:clrMapOvr>
+  <mc:AlternateContent xmlns:mc="http://schemas.openxmlformats.org/markup-compatibility/2006">
+    <mc:Choice xmlns:p15="http://schemas.microsoft.com/office/powerpoint/2012/main" Requires="p15">
+      <p:transition xmlns:p14="http://schemas.microsoft.com/office/powerpoint/2010/main" spd="slow" p14:dur="2000">
+        <p15:prstTrans prst="drape"/>
+      </p:transition>
+    </mc:Choice>
+    <mc:Fallback>
+      <p:transition spd="slow">
+        <p:fade/>
+      </p:transition>
+    </mc:Fallback>
+  </mc:AlternateContent>
 </p:sld>
 </file>
 
@@ -5268,10 +5321,10 @@
       </p:pic>
       <p:pic>
         <p:nvPicPr>
-          <p:cNvPr id="7" name="Kép 6">
+          <p:cNvPr id="9" name="Kép 8">
             <a:extLst>
               <a:ext uri="{FF2B5EF4-FFF2-40B4-BE49-F238E27FC236}">
-                <a16:creationId xmlns:a16="http://schemas.microsoft.com/office/drawing/2014/main" id="{E9AB82D4-19AA-44EA-A82A-7342DB8CDB43}"/>
+                <a16:creationId xmlns:a16="http://schemas.microsoft.com/office/drawing/2014/main" id="{E2DFFD07-D5D5-4F6D-8FBE-5810DBB970A9}"/>
               </a:ext>
             </a:extLst>
           </p:cNvPr>
@@ -5287,9 +5340,9 @@
           </a:stretch>
         </p:blipFill>
         <p:spPr>
-          <a:xfrm rot="273286">
-            <a:off x="6877108" y="201045"/>
-            <a:ext cx="4213188" cy="2580854"/>
+          <a:xfrm>
+            <a:off x="2468016" y="5597443"/>
+            <a:ext cx="6630325" cy="905001"/>
           </a:xfrm>
           <a:prstGeom prst="rect">
             <a:avLst/>
@@ -5308,10 +5361,10 @@
       </p:pic>
       <p:pic>
         <p:nvPicPr>
-          <p:cNvPr id="9" name="Kép 8">
+          <p:cNvPr id="4" name="Kép 3">
             <a:extLst>
               <a:ext uri="{FF2B5EF4-FFF2-40B4-BE49-F238E27FC236}">
-                <a16:creationId xmlns:a16="http://schemas.microsoft.com/office/drawing/2014/main" id="{E2DFFD07-D5D5-4F6D-8FBE-5810DBB970A9}"/>
+                <a16:creationId xmlns:a16="http://schemas.microsoft.com/office/drawing/2014/main" id="{3C5B249E-3250-47E0-A39A-E9B3C44BFFFB}"/>
               </a:ext>
             </a:extLst>
           </p:cNvPr>
@@ -5327,9 +5380,9 @@
           </a:stretch>
         </p:blipFill>
         <p:spPr>
-          <a:xfrm>
-            <a:off x="2468016" y="5597443"/>
-            <a:ext cx="6630325" cy="905001"/>
+          <a:xfrm rot="291575">
+            <a:off x="6763070" y="262867"/>
+            <a:ext cx="4227231" cy="2332526"/>
           </a:xfrm>
           <a:prstGeom prst="rect">
             <a:avLst/>
@@ -5356,6 +5409,455 @@
   <p:clrMapOvr>
     <a:masterClrMapping/>
   </p:clrMapOvr>
+  <mc:AlternateContent xmlns:mc="http://schemas.openxmlformats.org/markup-compatibility/2006">
+    <mc:Choice xmlns:p15="http://schemas.microsoft.com/office/powerpoint/2012/main" Requires="p15">
+      <p:transition xmlns:p14="http://schemas.microsoft.com/office/powerpoint/2010/main" spd="slow" p14:dur="2000">
+        <p15:prstTrans prst="drape"/>
+      </p:transition>
+    </mc:Choice>
+    <mc:Fallback>
+      <p:transition spd="slow">
+        <p:fade/>
+      </p:transition>
+    </mc:Fallback>
+  </mc:AlternateContent>
+  <p:timing>
+    <p:tnLst>
+      <p:par>
+        <p:cTn id="1" dur="indefinite" restart="never" nodeType="tmRoot">
+          <p:childTnLst>
+            <p:seq concurrent="1" nextAc="seek">
+              <p:cTn id="2" dur="indefinite" nodeType="mainSeq">
+                <p:childTnLst>
+                  <p:par>
+                    <p:cTn id="3" fill="hold">
+                      <p:stCondLst>
+                        <p:cond delay="indefinite"/>
+                      </p:stCondLst>
+                      <p:childTnLst>
+                        <p:par>
+                          <p:cTn id="4" fill="hold">
+                            <p:stCondLst>
+                              <p:cond delay="0"/>
+                            </p:stCondLst>
+                            <p:childTnLst>
+                              <p:par>
+                                <p:cTn id="5" presetID="14" presetClass="entr" presetSubtype="10" fill="hold" nodeType="clickEffect">
+                                  <p:stCondLst>
+                                    <p:cond delay="0"/>
+                                  </p:stCondLst>
+                                  <p:childTnLst>
+                                    <p:set>
+                                      <p:cBhvr>
+                                        <p:cTn id="6" dur="1" fill="hold">
+                                          <p:stCondLst>
+                                            <p:cond delay="0"/>
+                                          </p:stCondLst>
+                                        </p:cTn>
+                                        <p:tgtEl>
+                                          <p:spTgt spid="3">
+                                            <p:txEl>
+                                              <p:pRg st="0" end="0"/>
+                                            </p:txEl>
+                                          </p:spTgt>
+                                        </p:tgtEl>
+                                        <p:attrNameLst>
+                                          <p:attrName>style.visibility</p:attrName>
+                                        </p:attrNameLst>
+                                      </p:cBhvr>
+                                      <p:to>
+                                        <p:strVal val="visible"/>
+                                      </p:to>
+                                    </p:set>
+                                    <p:animEffect transition="in" filter="randombar(horizontal)">
+                                      <p:cBhvr>
+                                        <p:cTn id="7" dur="500"/>
+                                        <p:tgtEl>
+                                          <p:spTgt spid="3">
+                                            <p:txEl>
+                                              <p:pRg st="0" end="0"/>
+                                            </p:txEl>
+                                          </p:spTgt>
+                                        </p:tgtEl>
+                                      </p:cBhvr>
+                                    </p:animEffect>
+                                  </p:childTnLst>
+                                </p:cTn>
+                              </p:par>
+                            </p:childTnLst>
+                          </p:cTn>
+                        </p:par>
+                        <p:par>
+                          <p:cTn id="8" fill="hold">
+                            <p:stCondLst>
+                              <p:cond delay="500"/>
+                            </p:stCondLst>
+                            <p:childTnLst>
+                              <p:par>
+                                <p:cTn id="9" presetID="42" presetClass="entr" presetSubtype="0" fill="hold" nodeType="afterEffect">
+                                  <p:stCondLst>
+                                    <p:cond delay="0"/>
+                                  </p:stCondLst>
+                                  <p:childTnLst>
+                                    <p:set>
+                                      <p:cBhvr>
+                                        <p:cTn id="10" dur="1" fill="hold">
+                                          <p:stCondLst>
+                                            <p:cond delay="0"/>
+                                          </p:stCondLst>
+                                        </p:cTn>
+                                        <p:tgtEl>
+                                          <p:spTgt spid="4"/>
+                                        </p:tgtEl>
+                                        <p:attrNameLst>
+                                          <p:attrName>style.visibility</p:attrName>
+                                        </p:attrNameLst>
+                                      </p:cBhvr>
+                                      <p:to>
+                                        <p:strVal val="visible"/>
+                                      </p:to>
+                                    </p:set>
+                                    <p:animEffect transition="in" filter="fade">
+                                      <p:cBhvr>
+                                        <p:cTn id="11" dur="1000"/>
+                                        <p:tgtEl>
+                                          <p:spTgt spid="4"/>
+                                        </p:tgtEl>
+                                      </p:cBhvr>
+                                    </p:animEffect>
+                                    <p:anim calcmode="lin" valueType="num">
+                                      <p:cBhvr>
+                                        <p:cTn id="12" dur="1000" fill="hold"/>
+                                        <p:tgtEl>
+                                          <p:spTgt spid="4"/>
+                                        </p:tgtEl>
+                                        <p:attrNameLst>
+                                          <p:attrName>ppt_x</p:attrName>
+                                        </p:attrNameLst>
+                                      </p:cBhvr>
+                                      <p:tavLst>
+                                        <p:tav tm="0">
+                                          <p:val>
+                                            <p:strVal val="#ppt_x"/>
+                                          </p:val>
+                                        </p:tav>
+                                        <p:tav tm="100000">
+                                          <p:val>
+                                            <p:strVal val="#ppt_x"/>
+                                          </p:val>
+                                        </p:tav>
+                                      </p:tavLst>
+                                    </p:anim>
+                                    <p:anim calcmode="lin" valueType="num">
+                                      <p:cBhvr>
+                                        <p:cTn id="13" dur="1000" fill="hold"/>
+                                        <p:tgtEl>
+                                          <p:spTgt spid="4"/>
+                                        </p:tgtEl>
+                                        <p:attrNameLst>
+                                          <p:attrName>ppt_y</p:attrName>
+                                        </p:attrNameLst>
+                                      </p:cBhvr>
+                                      <p:tavLst>
+                                        <p:tav tm="0">
+                                          <p:val>
+                                            <p:strVal val="#ppt_y+.1"/>
+                                          </p:val>
+                                        </p:tav>
+                                        <p:tav tm="100000">
+                                          <p:val>
+                                            <p:strVal val="#ppt_y"/>
+                                          </p:val>
+                                        </p:tav>
+                                      </p:tavLst>
+                                    </p:anim>
+                                  </p:childTnLst>
+                                </p:cTn>
+                              </p:par>
+                            </p:childTnLst>
+                          </p:cTn>
+                        </p:par>
+                      </p:childTnLst>
+                    </p:cTn>
+                  </p:par>
+                  <p:par>
+                    <p:cTn id="14" fill="hold">
+                      <p:stCondLst>
+                        <p:cond delay="indefinite"/>
+                      </p:stCondLst>
+                      <p:childTnLst>
+                        <p:par>
+                          <p:cTn id="15" fill="hold">
+                            <p:stCondLst>
+                              <p:cond delay="0"/>
+                            </p:stCondLst>
+                            <p:childTnLst>
+                              <p:par>
+                                <p:cTn id="16" presetID="14" presetClass="entr" presetSubtype="10" fill="hold" nodeType="clickEffect">
+                                  <p:stCondLst>
+                                    <p:cond delay="0"/>
+                                  </p:stCondLst>
+                                  <p:childTnLst>
+                                    <p:set>
+                                      <p:cBhvr>
+                                        <p:cTn id="17" dur="1" fill="hold">
+                                          <p:stCondLst>
+                                            <p:cond delay="0"/>
+                                          </p:stCondLst>
+                                        </p:cTn>
+                                        <p:tgtEl>
+                                          <p:spTgt spid="3">
+                                            <p:txEl>
+                                              <p:pRg st="1" end="1"/>
+                                            </p:txEl>
+                                          </p:spTgt>
+                                        </p:tgtEl>
+                                        <p:attrNameLst>
+                                          <p:attrName>style.visibility</p:attrName>
+                                        </p:attrNameLst>
+                                      </p:cBhvr>
+                                      <p:to>
+                                        <p:strVal val="visible"/>
+                                      </p:to>
+                                    </p:set>
+                                    <p:animEffect transition="in" filter="randombar(horizontal)">
+                                      <p:cBhvr>
+                                        <p:cTn id="18" dur="500"/>
+                                        <p:tgtEl>
+                                          <p:spTgt spid="3">
+                                            <p:txEl>
+                                              <p:pRg st="1" end="1"/>
+                                            </p:txEl>
+                                          </p:spTgt>
+                                        </p:tgtEl>
+                                      </p:cBhvr>
+                                    </p:animEffect>
+                                  </p:childTnLst>
+                                </p:cTn>
+                              </p:par>
+                            </p:childTnLst>
+                          </p:cTn>
+                        </p:par>
+                        <p:par>
+                          <p:cTn id="19" fill="hold">
+                            <p:stCondLst>
+                              <p:cond delay="500"/>
+                            </p:stCondLst>
+                            <p:childTnLst>
+                              <p:par>
+                                <p:cTn id="20" presetID="16" presetClass="entr" presetSubtype="21" fill="hold" nodeType="afterEffect">
+                                  <p:stCondLst>
+                                    <p:cond delay="0"/>
+                                  </p:stCondLst>
+                                  <p:childTnLst>
+                                    <p:set>
+                                      <p:cBhvr>
+                                        <p:cTn id="21" dur="1" fill="hold">
+                                          <p:stCondLst>
+                                            <p:cond delay="0"/>
+                                          </p:stCondLst>
+                                        </p:cTn>
+                                        <p:tgtEl>
+                                          <p:spTgt spid="9"/>
+                                        </p:tgtEl>
+                                        <p:attrNameLst>
+                                          <p:attrName>style.visibility</p:attrName>
+                                        </p:attrNameLst>
+                                      </p:cBhvr>
+                                      <p:to>
+                                        <p:strVal val="visible"/>
+                                      </p:to>
+                                    </p:set>
+                                    <p:animEffect transition="in" filter="barn(inVertical)">
+                                      <p:cBhvr>
+                                        <p:cTn id="22" dur="500"/>
+                                        <p:tgtEl>
+                                          <p:spTgt spid="9"/>
+                                        </p:tgtEl>
+                                      </p:cBhvr>
+                                    </p:animEffect>
+                                  </p:childTnLst>
+                                </p:cTn>
+                              </p:par>
+                            </p:childTnLst>
+                          </p:cTn>
+                        </p:par>
+                      </p:childTnLst>
+                    </p:cTn>
+                  </p:par>
+                  <p:par>
+                    <p:cTn id="23" fill="hold">
+                      <p:stCondLst>
+                        <p:cond delay="indefinite"/>
+                      </p:stCondLst>
+                      <p:childTnLst>
+                        <p:par>
+                          <p:cTn id="24" fill="hold">
+                            <p:stCondLst>
+                              <p:cond delay="0"/>
+                            </p:stCondLst>
+                            <p:childTnLst>
+                              <p:par>
+                                <p:cTn id="25" presetID="14" presetClass="entr" presetSubtype="10" fill="hold" nodeType="clickEffect">
+                                  <p:stCondLst>
+                                    <p:cond delay="0"/>
+                                  </p:stCondLst>
+                                  <p:childTnLst>
+                                    <p:set>
+                                      <p:cBhvr>
+                                        <p:cTn id="26" dur="1" fill="hold">
+                                          <p:stCondLst>
+                                            <p:cond delay="0"/>
+                                          </p:stCondLst>
+                                        </p:cTn>
+                                        <p:tgtEl>
+                                          <p:spTgt spid="3">
+                                            <p:txEl>
+                                              <p:pRg st="2" end="2"/>
+                                            </p:txEl>
+                                          </p:spTgt>
+                                        </p:tgtEl>
+                                        <p:attrNameLst>
+                                          <p:attrName>style.visibility</p:attrName>
+                                        </p:attrNameLst>
+                                      </p:cBhvr>
+                                      <p:to>
+                                        <p:strVal val="visible"/>
+                                      </p:to>
+                                    </p:set>
+                                    <p:animEffect transition="in" filter="randombar(horizontal)">
+                                      <p:cBhvr>
+                                        <p:cTn id="27" dur="500"/>
+                                        <p:tgtEl>
+                                          <p:spTgt spid="3">
+                                            <p:txEl>
+                                              <p:pRg st="2" end="2"/>
+                                            </p:txEl>
+                                          </p:spTgt>
+                                        </p:tgtEl>
+                                      </p:cBhvr>
+                                    </p:animEffect>
+                                  </p:childTnLst>
+                                </p:cTn>
+                              </p:par>
+                            </p:childTnLst>
+                          </p:cTn>
+                        </p:par>
+                        <p:par>
+                          <p:cTn id="28" fill="hold">
+                            <p:stCondLst>
+                              <p:cond delay="500"/>
+                            </p:stCondLst>
+                            <p:childTnLst>
+                              <p:par>
+                                <p:cTn id="29" presetID="42" presetClass="entr" presetSubtype="0" fill="hold" nodeType="afterEffect">
+                                  <p:stCondLst>
+                                    <p:cond delay="0"/>
+                                  </p:stCondLst>
+                                  <p:childTnLst>
+                                    <p:set>
+                                      <p:cBhvr>
+                                        <p:cTn id="30" dur="1" fill="hold">
+                                          <p:stCondLst>
+                                            <p:cond delay="0"/>
+                                          </p:stCondLst>
+                                        </p:cTn>
+                                        <p:tgtEl>
+                                          <p:spTgt spid="5"/>
+                                        </p:tgtEl>
+                                        <p:attrNameLst>
+                                          <p:attrName>style.visibility</p:attrName>
+                                        </p:attrNameLst>
+                                      </p:cBhvr>
+                                      <p:to>
+                                        <p:strVal val="visible"/>
+                                      </p:to>
+                                    </p:set>
+                                    <p:animEffect transition="in" filter="fade">
+                                      <p:cBhvr>
+                                        <p:cTn id="31" dur="1000"/>
+                                        <p:tgtEl>
+                                          <p:spTgt spid="5"/>
+                                        </p:tgtEl>
+                                      </p:cBhvr>
+                                    </p:animEffect>
+                                    <p:anim calcmode="lin" valueType="num">
+                                      <p:cBhvr>
+                                        <p:cTn id="32" dur="1000" fill="hold"/>
+                                        <p:tgtEl>
+                                          <p:spTgt spid="5"/>
+                                        </p:tgtEl>
+                                        <p:attrNameLst>
+                                          <p:attrName>ppt_x</p:attrName>
+                                        </p:attrNameLst>
+                                      </p:cBhvr>
+                                      <p:tavLst>
+                                        <p:tav tm="0">
+                                          <p:val>
+                                            <p:strVal val="#ppt_x"/>
+                                          </p:val>
+                                        </p:tav>
+                                        <p:tav tm="100000">
+                                          <p:val>
+                                            <p:strVal val="#ppt_x"/>
+                                          </p:val>
+                                        </p:tav>
+                                      </p:tavLst>
+                                    </p:anim>
+                                    <p:anim calcmode="lin" valueType="num">
+                                      <p:cBhvr>
+                                        <p:cTn id="33" dur="1000" fill="hold"/>
+                                        <p:tgtEl>
+                                          <p:spTgt spid="5"/>
+                                        </p:tgtEl>
+                                        <p:attrNameLst>
+                                          <p:attrName>ppt_y</p:attrName>
+                                        </p:attrNameLst>
+                                      </p:cBhvr>
+                                      <p:tavLst>
+                                        <p:tav tm="0">
+                                          <p:val>
+                                            <p:strVal val="#ppt_y+.1"/>
+                                          </p:val>
+                                        </p:tav>
+                                        <p:tav tm="100000">
+                                          <p:val>
+                                            <p:strVal val="#ppt_y"/>
+                                          </p:val>
+                                        </p:tav>
+                                      </p:tavLst>
+                                    </p:anim>
+                                  </p:childTnLst>
+                                </p:cTn>
+                              </p:par>
+                            </p:childTnLst>
+                          </p:cTn>
+                        </p:par>
+                      </p:childTnLst>
+                    </p:cTn>
+                  </p:par>
+                </p:childTnLst>
+              </p:cTn>
+              <p:prevCondLst>
+                <p:cond evt="onPrev" delay="0">
+                  <p:tgtEl>
+                    <p:sldTgt/>
+                  </p:tgtEl>
+                </p:cond>
+              </p:prevCondLst>
+              <p:nextCondLst>
+                <p:cond evt="onNext" delay="0">
+                  <p:tgtEl>
+                    <p:sldTgt/>
+                  </p:tgtEl>
+                </p:cond>
+              </p:nextCondLst>
+            </p:seq>
+          </p:childTnLst>
+        </p:cTn>
+      </p:par>
+    </p:tnLst>
+  </p:timing>
 </p:sld>
 </file>
 
@@ -5523,6 +6025,18 @@
   <p:clrMapOvr>
     <a:masterClrMapping/>
   </p:clrMapOvr>
+  <mc:AlternateContent xmlns:mc="http://schemas.openxmlformats.org/markup-compatibility/2006">
+    <mc:Choice xmlns:p15="http://schemas.microsoft.com/office/powerpoint/2012/main" Requires="p15">
+      <p:transition xmlns:p14="http://schemas.microsoft.com/office/powerpoint/2010/main" spd="slow" p14:dur="2000">
+        <p15:prstTrans prst="drape"/>
+      </p:transition>
+    </mc:Choice>
+    <mc:Fallback>
+      <p:transition spd="slow">
+        <p:fade/>
+      </p:transition>
+    </mc:Fallback>
+  </mc:AlternateContent>
 </p:sld>
 </file>
 
@@ -5721,6 +6235,18 @@
   <p:clrMapOvr>
     <a:masterClrMapping/>
   </p:clrMapOvr>
+  <mc:AlternateContent xmlns:mc="http://schemas.openxmlformats.org/markup-compatibility/2006">
+    <mc:Choice xmlns:p15="http://schemas.microsoft.com/office/powerpoint/2012/main" Requires="p15">
+      <p:transition xmlns:p14="http://schemas.microsoft.com/office/powerpoint/2010/main" spd="slow" p14:dur="2000">
+        <p15:prstTrans prst="drape"/>
+      </p:transition>
+    </mc:Choice>
+    <mc:Fallback>
+      <p:transition spd="slow">
+        <p:fade/>
+      </p:transition>
+    </mc:Fallback>
+  </mc:AlternateContent>
 </p:sld>
 </file>
 
@@ -5790,13 +6316,19 @@
           </a:stretch>
         </p:blipFill>
         <p:spPr>
-          <a:xfrm>
+          <a:xfrm rot="21427176">
             <a:off x="1448722" y="601578"/>
             <a:ext cx="3728992" cy="3299993"/>
           </a:xfrm>
           <a:prstGeom prst="rect">
             <a:avLst/>
           </a:prstGeom>
+          <a:ln>
+            <a:noFill/>
+          </a:ln>
+          <a:effectLst>
+            <a:softEdge rad="112500"/>
+          </a:effectLst>
         </p:spPr>
       </p:pic>
       <p:pic>
@@ -5827,6 +6359,92 @@
           <a:prstGeom prst="rect">
             <a:avLst/>
           </a:prstGeom>
+          <a:ln>
+            <a:noFill/>
+          </a:ln>
+          <a:effectLst>
+            <a:softEdge rad="112500"/>
+          </a:effectLst>
+        </p:spPr>
+      </p:pic>
+      <p:pic>
+        <p:nvPicPr>
+          <p:cNvPr id="3" name="Kép 2">
+            <a:extLst>
+              <a:ext uri="{FF2B5EF4-FFF2-40B4-BE49-F238E27FC236}">
+                <a16:creationId xmlns:a16="http://schemas.microsoft.com/office/drawing/2014/main" id="{5788926E-33CF-4F8D-9325-1CE5335611A9}"/>
+              </a:ext>
+            </a:extLst>
+          </p:cNvPr>
+          <p:cNvPicPr>
+            <a:picLocks noChangeAspect="1"/>
+          </p:cNvPicPr>
+          <p:nvPr/>
+        </p:nvPicPr>
+        <p:blipFill>
+          <a:blip r:embed="rId4"/>
+          <a:stretch>
+            <a:fillRect/>
+          </a:stretch>
+        </p:blipFill>
+        <p:spPr>
+          <a:xfrm rot="211399">
+            <a:off x="2519786" y="4330048"/>
+            <a:ext cx="1952898" cy="1686160"/>
+          </a:xfrm>
+          <a:prstGeom prst="rect">
+            <a:avLst/>
+          </a:prstGeom>
+          <a:ln>
+            <a:noFill/>
+          </a:ln>
+          <a:effectLst>
+            <a:outerShdw blurRad="190500" algn="tl" rotWithShape="0">
+              <a:srgbClr val="000000">
+                <a:alpha val="70000"/>
+              </a:srgbClr>
+            </a:outerShdw>
+          </a:effectLst>
+        </p:spPr>
+      </p:pic>
+      <p:pic>
+        <p:nvPicPr>
+          <p:cNvPr id="4" name="Kép 3">
+            <a:extLst>
+              <a:ext uri="{FF2B5EF4-FFF2-40B4-BE49-F238E27FC236}">
+                <a16:creationId xmlns:a16="http://schemas.microsoft.com/office/drawing/2014/main" id="{9D8316B8-65C3-4D32-895C-44979204E9D0}"/>
+              </a:ext>
+            </a:extLst>
+          </p:cNvPr>
+          <p:cNvPicPr>
+            <a:picLocks noChangeAspect="1"/>
+          </p:cNvPicPr>
+          <p:nvPr/>
+        </p:nvPicPr>
+        <p:blipFill>
+          <a:blip r:embed="rId5"/>
+          <a:stretch>
+            <a:fillRect/>
+          </a:stretch>
+        </p:blipFill>
+        <p:spPr>
+          <a:xfrm rot="410459">
+            <a:off x="6030852" y="680175"/>
+            <a:ext cx="2210108" cy="866896"/>
+          </a:xfrm>
+          <a:prstGeom prst="rect">
+            <a:avLst/>
+          </a:prstGeom>
+          <a:ln>
+            <a:noFill/>
+          </a:ln>
+          <a:effectLst>
+            <a:outerShdw blurRad="190500" algn="tl" rotWithShape="0">
+              <a:srgbClr val="000000">
+                <a:alpha val="70000"/>
+              </a:srgbClr>
+            </a:outerShdw>
+          </a:effectLst>
         </p:spPr>
       </p:pic>
     </p:spTree>
@@ -5839,6 +6457,18 @@
   <p:clrMapOvr>
     <a:masterClrMapping/>
   </p:clrMapOvr>
+  <mc:AlternateContent xmlns:mc="http://schemas.openxmlformats.org/markup-compatibility/2006">
+    <mc:Choice xmlns:p15="http://schemas.microsoft.com/office/powerpoint/2012/main" Requires="p15">
+      <p:transition xmlns:p14="http://schemas.microsoft.com/office/powerpoint/2010/main" spd="slow" p14:dur="2000">
+        <p15:prstTrans prst="drape"/>
+      </p:transition>
+    </mc:Choice>
+    <mc:Fallback>
+      <p:transition spd="slow">
+        <p:fade/>
+      </p:transition>
+    </mc:Fallback>
+  </mc:AlternateContent>
 </p:sld>
 </file>
 
@@ -5911,6 +6541,18 @@
   <p:clrMapOvr>
     <a:masterClrMapping/>
   </p:clrMapOvr>
+  <mc:AlternateContent xmlns:mc="http://schemas.openxmlformats.org/markup-compatibility/2006">
+    <mc:Choice xmlns:p15="http://schemas.microsoft.com/office/powerpoint/2012/main" Requires="p15">
+      <p:transition xmlns:p14="http://schemas.microsoft.com/office/powerpoint/2010/main" spd="slow" p14:dur="6000">
+        <p15:prstTrans prst="curtains"/>
+      </p:transition>
+    </mc:Choice>
+    <mc:Fallback>
+      <p:transition spd="slow">
+        <p:fade/>
+      </p:transition>
+    </mc:Fallback>
+  </mc:AlternateContent>
 </p:sld>
 </file>
 
